--- a/Files to be graded/Final presentation/Presentation_Bauer_Bot.pptx
+++ b/Files to be graded/Final presentation/Presentation_Bauer_Bot.pptx
@@ -5,7 +5,7 @@
     <p:sldMasterId id="2147483648" r:id="rId1"/>
   </p:sldMasterIdLst>
   <p:notesMasterIdLst>
-    <p:notesMasterId r:id="rId25"/>
+    <p:notesMasterId r:id="rId30"/>
   </p:notesMasterIdLst>
   <p:sldIdLst>
     <p:sldId id="262" r:id="rId2"/>
@@ -31,6 +31,11 @@
     <p:sldId id="258" r:id="rId22"/>
     <p:sldId id="261" r:id="rId23"/>
     <p:sldId id="282" r:id="rId24"/>
+    <p:sldId id="283" r:id="rId25"/>
+    <p:sldId id="286" r:id="rId26"/>
+    <p:sldId id="285" r:id="rId27"/>
+    <p:sldId id="284" r:id="rId28"/>
+    <p:sldId id="287" r:id="rId29"/>
   </p:sldIdLst>
   <p:sldSz cx="12192000" cy="6858000"/>
   <p:notesSz cx="6858000" cy="9144000"/>
@@ -219,7 +224,7 @@
           <a:p>
             <a:fld id="{E079CBA5-1909-4D1B-8435-AF7A2BFB2115}" type="datetimeFigureOut">
               <a:rPr lang="en-US" smtClean="0"/>
-              <a:t>6/19/2022</a:t>
+              <a:t>6/22/2022</a:t>
             </a:fld>
             <a:endParaRPr lang="en-US"/>
           </a:p>
@@ -737,7 +742,7 @@
           <a:p>
             <a:fld id="{B8139A3C-9F84-4EFA-8001-56E7B79C3EED}" type="datetimeFigureOut">
               <a:rPr lang="en-US" smtClean="0"/>
-              <a:t>6/19/2022</a:t>
+              <a:t>6/22/2022</a:t>
             </a:fld>
             <a:endParaRPr lang="en-US"/>
           </a:p>
@@ -935,7 +940,7 @@
           <a:p>
             <a:fld id="{B8139A3C-9F84-4EFA-8001-56E7B79C3EED}" type="datetimeFigureOut">
               <a:rPr lang="en-US" smtClean="0"/>
-              <a:t>6/19/2022</a:t>
+              <a:t>6/22/2022</a:t>
             </a:fld>
             <a:endParaRPr lang="en-US"/>
           </a:p>
@@ -1143,7 +1148,7 @@
           <a:p>
             <a:fld id="{B8139A3C-9F84-4EFA-8001-56E7B79C3EED}" type="datetimeFigureOut">
               <a:rPr lang="en-US" smtClean="0"/>
-              <a:t>6/19/2022</a:t>
+              <a:t>6/22/2022</a:t>
             </a:fld>
             <a:endParaRPr lang="en-US"/>
           </a:p>
@@ -1341,7 +1346,7 @@
           <a:p>
             <a:fld id="{B8139A3C-9F84-4EFA-8001-56E7B79C3EED}" type="datetimeFigureOut">
               <a:rPr lang="en-US" smtClean="0"/>
-              <a:t>6/19/2022</a:t>
+              <a:t>6/22/2022</a:t>
             </a:fld>
             <a:endParaRPr lang="en-US"/>
           </a:p>
@@ -1616,7 +1621,7 @@
           <a:p>
             <a:fld id="{B8139A3C-9F84-4EFA-8001-56E7B79C3EED}" type="datetimeFigureOut">
               <a:rPr lang="en-US" smtClean="0"/>
-              <a:t>6/19/2022</a:t>
+              <a:t>6/22/2022</a:t>
             </a:fld>
             <a:endParaRPr lang="en-US"/>
           </a:p>
@@ -1881,7 +1886,7 @@
           <a:p>
             <a:fld id="{B8139A3C-9F84-4EFA-8001-56E7B79C3EED}" type="datetimeFigureOut">
               <a:rPr lang="en-US" smtClean="0"/>
-              <a:t>6/19/2022</a:t>
+              <a:t>6/22/2022</a:t>
             </a:fld>
             <a:endParaRPr lang="en-US"/>
           </a:p>
@@ -2293,7 +2298,7 @@
           <a:p>
             <a:fld id="{B8139A3C-9F84-4EFA-8001-56E7B79C3EED}" type="datetimeFigureOut">
               <a:rPr lang="en-US" smtClean="0"/>
-              <a:t>6/19/2022</a:t>
+              <a:t>6/22/2022</a:t>
             </a:fld>
             <a:endParaRPr lang="en-US"/>
           </a:p>
@@ -2434,7 +2439,7 @@
           <a:p>
             <a:fld id="{B8139A3C-9F84-4EFA-8001-56E7B79C3EED}" type="datetimeFigureOut">
               <a:rPr lang="en-US" smtClean="0"/>
-              <a:t>6/19/2022</a:t>
+              <a:t>6/22/2022</a:t>
             </a:fld>
             <a:endParaRPr lang="en-US"/>
           </a:p>
@@ -2547,7 +2552,7 @@
           <a:p>
             <a:fld id="{B8139A3C-9F84-4EFA-8001-56E7B79C3EED}" type="datetimeFigureOut">
               <a:rPr lang="en-US" smtClean="0"/>
-              <a:t>6/19/2022</a:t>
+              <a:t>6/22/2022</a:t>
             </a:fld>
             <a:endParaRPr lang="en-US"/>
           </a:p>
@@ -2858,7 +2863,7 @@
           <a:p>
             <a:fld id="{B8139A3C-9F84-4EFA-8001-56E7B79C3EED}" type="datetimeFigureOut">
               <a:rPr lang="en-US" smtClean="0"/>
-              <a:t>6/19/2022</a:t>
+              <a:t>6/22/2022</a:t>
             </a:fld>
             <a:endParaRPr lang="en-US"/>
           </a:p>
@@ -3146,7 +3151,7 @@
           <a:p>
             <a:fld id="{B8139A3C-9F84-4EFA-8001-56E7B79C3EED}" type="datetimeFigureOut">
               <a:rPr lang="en-US" smtClean="0"/>
-              <a:t>6/19/2022</a:t>
+              <a:t>6/22/2022</a:t>
             </a:fld>
             <a:endParaRPr lang="en-US"/>
           </a:p>
@@ -3387,7 +3392,7 @@
           <a:p>
             <a:fld id="{B8139A3C-9F84-4EFA-8001-56E7B79C3EED}" type="datetimeFigureOut">
               <a:rPr lang="en-US" smtClean="0"/>
-              <a:t>6/19/2022</a:t>
+              <a:t>6/22/2022</a:t>
             </a:fld>
             <a:endParaRPr lang="en-US"/>
           </a:p>
@@ -9310,70 +9315,631 @@
           </a:prstGeom>
         </p:spPr>
       </p:pic>
-      <p:sp>
-        <p:nvSpPr>
-          <p:cNvPr id="6" name="TextBox 5">
-            <a:extLst>
-              <a:ext uri="{FF2B5EF4-FFF2-40B4-BE49-F238E27FC236}">
-                <a16:creationId xmlns:a16="http://schemas.microsoft.com/office/drawing/2014/main" id="{4C5DDFF6-20D4-4982-978A-C762111F8B81}"/>
-              </a:ext>
-            </a:extLst>
-          </p:cNvPr>
-          <p:cNvSpPr txBox="1"/>
-          <p:nvPr/>
-        </p:nvSpPr>
-        <p:spPr>
-          <a:xfrm>
-            <a:off x="83126" y="6409112"/>
-            <a:ext cx="3050771" cy="369332"/>
-          </a:xfrm>
-          <a:prstGeom prst="rect">
-            <a:avLst/>
-          </a:prstGeom>
-          <a:noFill/>
-        </p:spPr>
-        <p:txBody>
-          <a:bodyPr wrap="square" rtlCol="0">
-            <a:spAutoFit/>
-          </a:bodyPr>
-          <a:lstStyle/>
-          <a:p>
-            <a:r>
-              <a:rPr lang="de-DE" b="1" i="1" dirty="0" err="1"/>
-              <a:t>Thanks</a:t>
-            </a:r>
-            <a:r>
-              <a:rPr lang="de-DE" b="1" i="1" dirty="0"/>
-              <a:t> </a:t>
-            </a:r>
-            <a:r>
-              <a:rPr lang="de-DE" b="1" i="1" dirty="0" err="1"/>
-              <a:t>for</a:t>
-            </a:r>
-            <a:r>
-              <a:rPr lang="de-DE" b="1" i="1" dirty="0"/>
-              <a:t> </a:t>
-            </a:r>
-            <a:r>
-              <a:rPr lang="de-DE" b="1" i="1" dirty="0" err="1"/>
-              <a:t>your</a:t>
-            </a:r>
-            <a:r>
-              <a:rPr lang="de-DE" b="1" i="1" dirty="0"/>
-              <a:t> </a:t>
-            </a:r>
-            <a:r>
-              <a:rPr lang="de-DE" b="1" i="1" dirty="0" err="1"/>
-              <a:t>attention</a:t>
-            </a:r>
-            <a:endParaRPr lang="en-US" b="1" i="1" dirty="0"/>
-          </a:p>
-        </p:txBody>
-      </p:sp>
     </p:spTree>
     <p:extLst>
       <p:ext uri="{BB962C8B-B14F-4D97-AF65-F5344CB8AC3E}">
         <p14:creationId xmlns:p14="http://schemas.microsoft.com/office/powerpoint/2010/main" val="1802558138"/>
+      </p:ext>
+    </p:extLst>
+  </p:cSld>
+  <p:clrMapOvr>
+    <a:masterClrMapping/>
+  </p:clrMapOvr>
+</p:sld>
+</file>
+
+<file path=ppt/slides/slide24.xml><?xml version="1.0" encoding="utf-8"?>
+<p:sld xmlns:a="http://schemas.openxmlformats.org/drawingml/2006/main" xmlns:r="http://schemas.openxmlformats.org/officeDocument/2006/relationships" xmlns:p="http://schemas.openxmlformats.org/presentationml/2006/main">
+  <p:cSld>
+    <p:spTree>
+      <p:nvGrpSpPr>
+        <p:cNvPr id="1" name=""/>
+        <p:cNvGrpSpPr/>
+        <p:nvPr/>
+      </p:nvGrpSpPr>
+      <p:grpSpPr>
+        <a:xfrm>
+          <a:off x="0" y="0"/>
+          <a:ext cx="0" cy="0"/>
+          <a:chOff x="0" y="0"/>
+          <a:chExt cx="0" cy="0"/>
+        </a:xfrm>
+      </p:grpSpPr>
+    </p:spTree>
+    <p:extLst>
+      <p:ext uri="{BB962C8B-B14F-4D97-AF65-F5344CB8AC3E}">
+        <p14:creationId xmlns:p14="http://schemas.microsoft.com/office/powerpoint/2010/main" val="2672515255"/>
+      </p:ext>
+    </p:extLst>
+  </p:cSld>
+  <p:clrMapOvr>
+    <a:masterClrMapping/>
+  </p:clrMapOvr>
+</p:sld>
+</file>
+
+<file path=ppt/slides/slide25.xml><?xml version="1.0" encoding="utf-8"?>
+<p:sld xmlns:a="http://schemas.openxmlformats.org/drawingml/2006/main" xmlns:r="http://schemas.openxmlformats.org/officeDocument/2006/relationships" xmlns:p="http://schemas.openxmlformats.org/presentationml/2006/main">
+  <p:cSld>
+    <p:spTree>
+      <p:nvGrpSpPr>
+        <p:cNvPr id="1" name=""/>
+        <p:cNvGrpSpPr/>
+        <p:nvPr/>
+      </p:nvGrpSpPr>
+      <p:grpSpPr>
+        <a:xfrm>
+          <a:off x="0" y="0"/>
+          <a:ext cx="0" cy="0"/>
+          <a:chOff x="0" y="0"/>
+          <a:chExt cx="0" cy="0"/>
+        </a:xfrm>
+      </p:grpSpPr>
+    </p:spTree>
+    <p:extLst>
+      <p:ext uri="{BB962C8B-B14F-4D97-AF65-F5344CB8AC3E}">
+        <p14:creationId xmlns:p14="http://schemas.microsoft.com/office/powerpoint/2010/main" val="3658797791"/>
+      </p:ext>
+    </p:extLst>
+  </p:cSld>
+  <p:clrMapOvr>
+    <a:masterClrMapping/>
+  </p:clrMapOvr>
+</p:sld>
+</file>
+
+<file path=ppt/slides/slide26.xml><?xml version="1.0" encoding="utf-8"?>
+<p:sld xmlns:a="http://schemas.openxmlformats.org/drawingml/2006/main" xmlns:r="http://schemas.openxmlformats.org/officeDocument/2006/relationships" xmlns:p="http://schemas.openxmlformats.org/presentationml/2006/main">
+  <p:cSld>
+    <p:spTree>
+      <p:nvGrpSpPr>
+        <p:cNvPr id="1" name=""/>
+        <p:cNvGrpSpPr/>
+        <p:nvPr/>
+      </p:nvGrpSpPr>
+      <p:grpSpPr>
+        <a:xfrm>
+          <a:off x="0" y="0"/>
+          <a:ext cx="0" cy="0"/>
+          <a:chOff x="0" y="0"/>
+          <a:chExt cx="0" cy="0"/>
+        </a:xfrm>
+      </p:grpSpPr>
+      <p:sp>
+        <p:nvSpPr>
+          <p:cNvPr id="2" name="TextBox 1">
+            <a:extLst>
+              <a:ext uri="{FF2B5EF4-FFF2-40B4-BE49-F238E27FC236}">
+                <a16:creationId xmlns:a16="http://schemas.microsoft.com/office/drawing/2014/main" id="{B8DDC998-983B-4675-8D3B-4BC83E570022}"/>
+              </a:ext>
+            </a:extLst>
+          </p:cNvPr>
+          <p:cNvSpPr txBox="1"/>
+          <p:nvPr/>
+        </p:nvSpPr>
+        <p:spPr>
+          <a:xfrm>
+            <a:off x="426720" y="289679"/>
+            <a:ext cx="11338560" cy="6278642"/>
+          </a:xfrm>
+          <a:prstGeom prst="rect">
+            <a:avLst/>
+          </a:prstGeom>
+          <a:noFill/>
+        </p:spPr>
+        <p:txBody>
+          <a:bodyPr wrap="square" rtlCol="0">
+            <a:spAutoFit/>
+          </a:bodyPr>
+          <a:lstStyle/>
+          <a:p>
+            <a:endParaRPr lang="en-US" dirty="0"/>
+          </a:p>
+          <a:p>
+            <a:r>
+              <a:rPr lang="en-US" b="1" dirty="0"/>
+              <a:t> </a:t>
+            </a:r>
+            <a:r>
+              <a:rPr lang="en-US" sz="1600" b="1" dirty="0"/>
+              <a:t>case 1:  </a:t>
+            </a:r>
+            <a:r>
+              <a:rPr lang="en-US" sz="1600" dirty="0"/>
+              <a:t>// initially car is looking at direction 1</a:t>
+            </a:r>
+          </a:p>
+          <a:p>
+            <a:endParaRPr lang="en-US" sz="1600" dirty="0"/>
+          </a:p>
+          <a:p>
+            <a:r>
+              <a:rPr lang="en-US" sz="1600" dirty="0"/>
+              <a:t>  </a:t>
+            </a:r>
+            <a:r>
+              <a:rPr lang="en-US" sz="1600" dirty="0">
+                <a:solidFill>
+                  <a:srgbClr val="FF0000"/>
+                </a:solidFill>
+              </a:rPr>
+              <a:t>if (</a:t>
+            </a:r>
+            <a:r>
+              <a:rPr lang="en-US" sz="1600" dirty="0" err="1">
+                <a:solidFill>
+                  <a:srgbClr val="FF0000"/>
+                </a:solidFill>
+              </a:rPr>
+              <a:t>currentY</a:t>
+            </a:r>
+            <a:r>
+              <a:rPr lang="en-US" sz="1600" dirty="0">
+                <a:solidFill>
+                  <a:srgbClr val="FF0000"/>
+                </a:solidFill>
+              </a:rPr>
+              <a:t> &lt; </a:t>
+            </a:r>
+            <a:r>
+              <a:rPr lang="en-US" sz="1600" dirty="0" err="1">
+                <a:solidFill>
+                  <a:srgbClr val="FF0000"/>
+                </a:solidFill>
+              </a:rPr>
+              <a:t>targetY</a:t>
+            </a:r>
+            <a:r>
+              <a:rPr lang="en-US" sz="1600" dirty="0">
+                <a:solidFill>
+                  <a:srgbClr val="FF0000"/>
+                </a:solidFill>
+              </a:rPr>
+              <a:t>)</a:t>
+            </a:r>
+          </a:p>
+          <a:p>
+            <a:r>
+              <a:rPr lang="en-US" sz="1600" dirty="0">
+                <a:solidFill>
+                  <a:srgbClr val="FF0000"/>
+                </a:solidFill>
+              </a:rPr>
+              <a:t>  {</a:t>
+            </a:r>
+          </a:p>
+          <a:p>
+            <a:r>
+              <a:rPr lang="en-US" sz="1600" dirty="0"/>
+              <a:t>        if (count == 0 &amp;&amp; IR1 == 0 &amp;&amp; IR2 == 1)    // left turn has been completed after this conditions are met </a:t>
+            </a:r>
+          </a:p>
+          <a:p>
+            <a:r>
+              <a:rPr lang="en-US" sz="1600" dirty="0"/>
+              <a:t>       {</a:t>
+            </a:r>
+          </a:p>
+          <a:p>
+            <a:r>
+              <a:rPr lang="en-US" sz="1600" dirty="0"/>
+              <a:t>            </a:t>
+            </a:r>
+            <a:r>
+              <a:rPr lang="en-US" sz="1600" dirty="0" err="1"/>
+              <a:t>turnManagerY</a:t>
+            </a:r>
+            <a:r>
+              <a:rPr lang="en-US" sz="1600" dirty="0"/>
+              <a:t>();    // This </a:t>
+            </a:r>
+            <a:r>
+              <a:rPr lang="en-US" sz="1600" dirty="0" err="1"/>
+              <a:t>fuction</a:t>
+            </a:r>
+            <a:r>
+              <a:rPr lang="en-US" sz="1600" dirty="0"/>
+              <a:t> resumes line follow and speed set task after completing the turn. it also exit turning state </a:t>
+            </a:r>
+          </a:p>
+          <a:p>
+            <a:r>
+              <a:rPr lang="en-US" sz="1600" dirty="0"/>
+              <a:t>           direction = 2;          // </a:t>
+            </a:r>
+            <a:r>
+              <a:rPr lang="en-US" sz="1600" dirty="0" err="1"/>
+              <a:t>seting</a:t>
+            </a:r>
+            <a:r>
+              <a:rPr lang="en-US" sz="1600" dirty="0"/>
+              <a:t> the direction at 2 after turning left</a:t>
+            </a:r>
+          </a:p>
+          <a:p>
+            <a:r>
+              <a:rPr lang="en-US" sz="1600" dirty="0"/>
+              <a:t>         } else {</a:t>
+            </a:r>
+          </a:p>
+          <a:p>
+            <a:r>
+              <a:rPr lang="en-US" sz="1600" dirty="0"/>
+              <a:t>           </a:t>
+            </a:r>
+            <a:r>
+              <a:rPr lang="en-US" sz="1600" dirty="0" err="1"/>
+              <a:t>forward_left</a:t>
+            </a:r>
+            <a:r>
+              <a:rPr lang="en-US" sz="1600" dirty="0"/>
+              <a:t>();   </a:t>
+            </a:r>
+          </a:p>
+          <a:p>
+            <a:r>
+              <a:rPr lang="en-US" sz="1600" dirty="0"/>
+              <a:t>       }</a:t>
+            </a:r>
+          </a:p>
+          <a:p>
+            <a:r>
+              <a:rPr lang="en-US" sz="1600" dirty="0"/>
+              <a:t>  </a:t>
+            </a:r>
+            <a:r>
+              <a:rPr lang="en-US" sz="1600" dirty="0">
+                <a:solidFill>
+                  <a:srgbClr val="FF0000"/>
+                </a:solidFill>
+              </a:rPr>
+              <a:t>}</a:t>
+            </a:r>
+          </a:p>
+          <a:p>
+            <a:r>
+              <a:rPr lang="en-US" sz="1600" dirty="0"/>
+              <a:t>  </a:t>
+            </a:r>
+            <a:r>
+              <a:rPr lang="en-US" sz="1600" dirty="0">
+                <a:solidFill>
+                  <a:srgbClr val="FF0000"/>
+                </a:solidFill>
+              </a:rPr>
+              <a:t>else if (</a:t>
+            </a:r>
+            <a:r>
+              <a:rPr lang="en-US" sz="1600" dirty="0" err="1">
+                <a:solidFill>
+                  <a:srgbClr val="FF0000"/>
+                </a:solidFill>
+              </a:rPr>
+              <a:t>currentY</a:t>
+            </a:r>
+            <a:r>
+              <a:rPr lang="en-US" sz="1600" dirty="0">
+                <a:solidFill>
+                  <a:srgbClr val="FF0000"/>
+                </a:solidFill>
+              </a:rPr>
+              <a:t> &gt; </a:t>
+            </a:r>
+            <a:r>
+              <a:rPr lang="en-US" sz="1600" dirty="0" err="1">
+                <a:solidFill>
+                  <a:srgbClr val="FF0000"/>
+                </a:solidFill>
+              </a:rPr>
+              <a:t>targetY</a:t>
+            </a:r>
+            <a:r>
+              <a:rPr lang="en-US" sz="1600" dirty="0">
+                <a:solidFill>
+                  <a:srgbClr val="FF0000"/>
+                </a:solidFill>
+              </a:rPr>
+              <a:t>)</a:t>
+            </a:r>
+          </a:p>
+          <a:p>
+            <a:r>
+              <a:rPr lang="en-US" sz="1600" dirty="0">
+                <a:solidFill>
+                  <a:srgbClr val="FF0000"/>
+                </a:solidFill>
+              </a:rPr>
+              <a:t>  {</a:t>
+            </a:r>
+          </a:p>
+          <a:p>
+            <a:r>
+              <a:rPr lang="en-US" sz="1600" dirty="0"/>
+              <a:t>    if (count == 1 &amp;&amp; IR1 == 1 &amp;&amp; IR2 == 0)    // right turn has been completed after this conditions are met </a:t>
+            </a:r>
+          </a:p>
+          <a:p>
+            <a:r>
+              <a:rPr lang="en-US" sz="1600" dirty="0"/>
+              <a:t>        {</a:t>
+            </a:r>
+          </a:p>
+          <a:p>
+            <a:r>
+              <a:rPr lang="en-US" sz="1600" dirty="0"/>
+              <a:t>            </a:t>
+            </a:r>
+            <a:r>
+              <a:rPr lang="en-US" sz="1600" dirty="0" err="1"/>
+              <a:t>turnManagerY</a:t>
+            </a:r>
+            <a:r>
+              <a:rPr lang="en-US" sz="1600" dirty="0"/>
+              <a:t>();</a:t>
+            </a:r>
+          </a:p>
+          <a:p>
+            <a:r>
+              <a:rPr lang="en-US" sz="1600" dirty="0"/>
+              <a:t>            direction = 4;</a:t>
+            </a:r>
+          </a:p>
+          <a:p>
+            <a:r>
+              <a:rPr lang="en-US" sz="1600" dirty="0"/>
+              <a:t>          } else {</a:t>
+            </a:r>
+          </a:p>
+          <a:p>
+            <a:r>
+              <a:rPr lang="en-US" sz="1600" dirty="0"/>
+              <a:t>            </a:t>
+            </a:r>
+            <a:r>
+              <a:rPr lang="en-US" sz="1600" dirty="0" err="1"/>
+              <a:t>forward_right</a:t>
+            </a:r>
+            <a:r>
+              <a:rPr lang="en-US" sz="1600" dirty="0"/>
+              <a:t>();</a:t>
+            </a:r>
+          </a:p>
+          <a:p>
+            <a:r>
+              <a:rPr lang="en-US" sz="1600" dirty="0"/>
+              <a:t>         }</a:t>
+            </a:r>
+          </a:p>
+          <a:p>
+            <a:r>
+              <a:rPr lang="en-US" sz="1600" dirty="0"/>
+              <a:t> </a:t>
+            </a:r>
+            <a:r>
+              <a:rPr lang="en-US" sz="1600" dirty="0">
+                <a:solidFill>
+                  <a:srgbClr val="FF0000"/>
+                </a:solidFill>
+              </a:rPr>
+              <a:t> }</a:t>
+            </a:r>
+          </a:p>
+          <a:p>
+            <a:r>
+              <a:rPr lang="en-US" sz="1600" b="1" dirty="0"/>
+              <a:t>  break;</a:t>
+            </a:r>
+          </a:p>
+        </p:txBody>
+      </p:sp>
+    </p:spTree>
+    <p:extLst>
+      <p:ext uri="{BB962C8B-B14F-4D97-AF65-F5344CB8AC3E}">
+        <p14:creationId xmlns:p14="http://schemas.microsoft.com/office/powerpoint/2010/main" val="401663578"/>
+      </p:ext>
+    </p:extLst>
+  </p:cSld>
+  <p:clrMapOvr>
+    <a:masterClrMapping/>
+  </p:clrMapOvr>
+</p:sld>
+</file>
+
+<file path=ppt/slides/slide27.xml><?xml version="1.0" encoding="utf-8"?>
+<p:sld xmlns:a="http://schemas.openxmlformats.org/drawingml/2006/main" xmlns:r="http://schemas.openxmlformats.org/officeDocument/2006/relationships" xmlns:p="http://schemas.openxmlformats.org/presentationml/2006/main">
+  <p:cSld>
+    <p:spTree>
+      <p:nvGrpSpPr>
+        <p:cNvPr id="1" name=""/>
+        <p:cNvGrpSpPr/>
+        <p:nvPr/>
+      </p:nvGrpSpPr>
+      <p:grpSpPr>
+        <a:xfrm>
+          <a:off x="0" y="0"/>
+          <a:ext cx="0" cy="0"/>
+          <a:chOff x="0" y="0"/>
+          <a:chExt cx="0" cy="0"/>
+        </a:xfrm>
+      </p:grpSpPr>
+      <p:pic>
+        <p:nvPicPr>
+          <p:cNvPr id="3" name="Picture 2">
+            <a:extLst>
+              <a:ext uri="{FF2B5EF4-FFF2-40B4-BE49-F238E27FC236}">
+                <a16:creationId xmlns:a16="http://schemas.microsoft.com/office/drawing/2014/main" id="{B612CFC7-320D-4572-A5F1-B309EB7A4AD2}"/>
+              </a:ext>
+            </a:extLst>
+          </p:cNvPr>
+          <p:cNvPicPr>
+            <a:picLocks noChangeAspect="1"/>
+          </p:cNvPicPr>
+          <p:nvPr/>
+        </p:nvPicPr>
+        <p:blipFill>
+          <a:blip r:embed="rId2">
+            <a:extLst>
+              <a:ext uri="{28A0092B-C50C-407E-A947-70E740481C1C}">
+                <a14:useLocalDpi xmlns:a14="http://schemas.microsoft.com/office/drawing/2010/main" val="0"/>
+              </a:ext>
+            </a:extLst>
+          </a:blip>
+          <a:stretch>
+            <a:fillRect/>
+          </a:stretch>
+        </p:blipFill>
+        <p:spPr>
+          <a:xfrm>
+            <a:off x="2525337" y="879301"/>
+            <a:ext cx="7141325" cy="5232400"/>
+          </a:xfrm>
+          <a:prstGeom prst="rect">
+            <a:avLst/>
+          </a:prstGeom>
+        </p:spPr>
+      </p:pic>
+    </p:spTree>
+    <p:extLst>
+      <p:ext uri="{BB962C8B-B14F-4D97-AF65-F5344CB8AC3E}">
+        <p14:creationId xmlns:p14="http://schemas.microsoft.com/office/powerpoint/2010/main" val="3970688297"/>
+      </p:ext>
+    </p:extLst>
+  </p:cSld>
+  <p:clrMapOvr>
+    <a:masterClrMapping/>
+  </p:clrMapOvr>
+</p:sld>
+</file>
+
+<file path=ppt/slides/slide28.xml><?xml version="1.0" encoding="utf-8"?>
+<p:sld xmlns:a="http://schemas.openxmlformats.org/drawingml/2006/main" xmlns:r="http://schemas.openxmlformats.org/officeDocument/2006/relationships" xmlns:p="http://schemas.openxmlformats.org/presentationml/2006/main">
+  <p:cSld>
+    <p:spTree>
+      <p:nvGrpSpPr>
+        <p:cNvPr id="1" name=""/>
+        <p:cNvGrpSpPr/>
+        <p:nvPr/>
+      </p:nvGrpSpPr>
+      <p:grpSpPr>
+        <a:xfrm>
+          <a:off x="0" y="0"/>
+          <a:ext cx="0" cy="0"/>
+          <a:chOff x="0" y="0"/>
+          <a:chExt cx="0" cy="0"/>
+        </a:xfrm>
+      </p:grpSpPr>
+      <p:pic>
+        <p:nvPicPr>
+          <p:cNvPr id="3" name="Picture 2">
+            <a:extLst>
+              <a:ext uri="{FF2B5EF4-FFF2-40B4-BE49-F238E27FC236}">
+                <a16:creationId xmlns:a16="http://schemas.microsoft.com/office/drawing/2014/main" id="{673F4CD0-48CC-4866-B131-EC525FEBB15E}"/>
+              </a:ext>
+            </a:extLst>
+          </p:cNvPr>
+          <p:cNvPicPr>
+            <a:picLocks noChangeAspect="1"/>
+          </p:cNvPicPr>
+          <p:nvPr/>
+        </p:nvPicPr>
+        <p:blipFill>
+          <a:blip r:embed="rId2">
+            <a:extLst>
+              <a:ext uri="{28A0092B-C50C-407E-A947-70E740481C1C}">
+                <a14:useLocalDpi xmlns:a14="http://schemas.microsoft.com/office/drawing/2010/main" val="0"/>
+              </a:ext>
+            </a:extLst>
+          </a:blip>
+          <a:stretch>
+            <a:fillRect/>
+          </a:stretch>
+        </p:blipFill>
+        <p:spPr>
+          <a:xfrm>
+            <a:off x="0" y="689957"/>
+            <a:ext cx="3000895" cy="5334924"/>
+          </a:xfrm>
+          <a:prstGeom prst="rect">
+            <a:avLst/>
+          </a:prstGeom>
+        </p:spPr>
+      </p:pic>
+      <p:pic>
+        <p:nvPicPr>
+          <p:cNvPr id="5" name="Picture 4">
+            <a:extLst>
+              <a:ext uri="{FF2B5EF4-FFF2-40B4-BE49-F238E27FC236}">
+                <a16:creationId xmlns:a16="http://schemas.microsoft.com/office/drawing/2014/main" id="{A97CFBCE-4303-415F-8E01-8F7E6BFF7431}"/>
+              </a:ext>
+            </a:extLst>
+          </p:cNvPr>
+          <p:cNvPicPr>
+            <a:picLocks noChangeAspect="1"/>
+          </p:cNvPicPr>
+          <p:nvPr/>
+        </p:nvPicPr>
+        <p:blipFill>
+          <a:blip r:embed="rId3">
+            <a:extLst>
+              <a:ext uri="{28A0092B-C50C-407E-A947-70E740481C1C}">
+                <a14:useLocalDpi xmlns:a14="http://schemas.microsoft.com/office/drawing/2010/main" val="0"/>
+              </a:ext>
+            </a:extLst>
+          </a:blip>
+          <a:stretch>
+            <a:fillRect/>
+          </a:stretch>
+        </p:blipFill>
+        <p:spPr>
+          <a:xfrm>
+            <a:off x="8012497" y="648392"/>
+            <a:ext cx="4170912" cy="5561215"/>
+          </a:xfrm>
+          <a:prstGeom prst="rect">
+            <a:avLst/>
+          </a:prstGeom>
+        </p:spPr>
+      </p:pic>
+      <p:pic>
+        <p:nvPicPr>
+          <p:cNvPr id="7" name="Picture 6">
+            <a:extLst>
+              <a:ext uri="{FF2B5EF4-FFF2-40B4-BE49-F238E27FC236}">
+                <a16:creationId xmlns:a16="http://schemas.microsoft.com/office/drawing/2014/main" id="{9A7D66F5-1161-4EB0-9674-67F465830F0D}"/>
+              </a:ext>
+            </a:extLst>
+          </p:cNvPr>
+          <p:cNvPicPr>
+            <a:picLocks noChangeAspect="1"/>
+          </p:cNvPicPr>
+          <p:nvPr/>
+        </p:nvPicPr>
+        <p:blipFill>
+          <a:blip r:embed="rId4">
+            <a:extLst>
+              <a:ext uri="{28A0092B-C50C-407E-A947-70E740481C1C}">
+                <a14:useLocalDpi xmlns:a14="http://schemas.microsoft.com/office/drawing/2010/main" val="0"/>
+              </a:ext>
+            </a:extLst>
+          </a:blip>
+          <a:stretch>
+            <a:fillRect/>
+          </a:stretch>
+        </p:blipFill>
+        <p:spPr>
+          <a:xfrm>
+            <a:off x="2992192" y="714894"/>
+            <a:ext cx="5020305" cy="5453149"/>
+          </a:xfrm>
+          <a:prstGeom prst="rect">
+            <a:avLst/>
+          </a:prstGeom>
+        </p:spPr>
+      </p:pic>
+    </p:spTree>
+    <p:extLst>
+      <p:ext uri="{BB962C8B-B14F-4D97-AF65-F5344CB8AC3E}">
+        <p14:creationId xmlns:p14="http://schemas.microsoft.com/office/powerpoint/2010/main" val="2574628814"/>
       </p:ext>
     </p:extLst>
   </p:cSld>
